--- a/teaching/ITIS6200/2023fa/lectures/resources/Previous.years/Chap01-2018.pptx
+++ b/teaching/ITIS6200/2023fa/lectures/resources/Previous.years/Chap01-2018.pptx
@@ -351,7 +351,7 @@
         <p:nvSpPr>
           <p:cNvPr id="9220" name="Rectangle 4"/>
           <p:cNvSpPr>
-            <a:spLocks noRot="1" noChangeArrowheads="1" noTextEdit="1"/>
+            <a:spLocks noGrp="1" noRot="1" noChangeAspect="1" noChangeArrowheads="1" noTextEdit="1"/>
           </p:cNvSpPr>
           <p:nvPr>
             <p:ph type="sldImg" idx="2"/>
@@ -460,35 +460,35 @@
           <a:p>
             <a:pPr lvl="0"/>
             <a:r>
-              <a:rPr lang="en-US" altLang="en-US" noProof="0" smtClean="0"/>
+              <a:rPr lang="en-US" altLang="en-US" noProof="0"/>
               <a:t>Click to edit Master text styles</a:t>
             </a:r>
           </a:p>
           <a:p>
             <a:pPr lvl="1"/>
             <a:r>
-              <a:rPr lang="en-US" altLang="en-US" noProof="0" smtClean="0"/>
+              <a:rPr lang="en-US" altLang="en-US" noProof="0"/>
               <a:t>Second level</a:t>
             </a:r>
           </a:p>
           <a:p>
             <a:pPr lvl="2"/>
             <a:r>
-              <a:rPr lang="en-US" altLang="en-US" noProof="0" smtClean="0"/>
+              <a:rPr lang="en-US" altLang="en-US" noProof="0"/>
               <a:t>Third level</a:t>
             </a:r>
           </a:p>
           <a:p>
             <a:pPr lvl="3"/>
             <a:r>
-              <a:rPr lang="en-US" altLang="en-US" noProof="0" smtClean="0"/>
+              <a:rPr lang="en-US" altLang="en-US" noProof="0"/>
               <a:t>Fourth level</a:t>
             </a:r>
           </a:p>
           <a:p>
             <a:pPr lvl="4"/>
             <a:r>
-              <a:rPr lang="en-US" altLang="en-US" noProof="0" smtClean="0"/>
+              <a:rPr lang="en-US" altLang="en-US" noProof="0"/>
               <a:t>Fifth level</a:t>
             </a:r>
           </a:p>
@@ -955,7 +955,7 @@
         <p:nvSpPr>
           <p:cNvPr id="10243" name="Rectangle 2"/>
           <p:cNvSpPr>
-            <a:spLocks noRot="1" noChangeArrowheads="1" noTextEdit="1"/>
+            <a:spLocks noGrp="1" noRot="1" noChangeAspect="1" noChangeArrowheads="1" noTextEdit="1"/>
           </p:cNvSpPr>
           <p:nvPr>
             <p:ph type="sldImg"/>
@@ -1002,7 +1002,7 @@
           <a:lstStyle/>
           <a:p>
             <a:pPr eaLnBrk="1" hangingPunct="1"/>
-            <a:endParaRPr lang="en-US" altLang="en-US" smtClean="0">
+            <a:endParaRPr lang="en-US" altLang="en-US">
               <a:latin typeface="Arial" panose="020B0604020202020204" pitchFamily="34" charset="0"/>
             </a:endParaRPr>
           </a:p>
@@ -1203,7 +1203,7 @@
         <p:nvSpPr>
           <p:cNvPr id="11267" name="Rectangle 2"/>
           <p:cNvSpPr>
-            <a:spLocks noRot="1" noChangeArrowheads="1" noTextEdit="1"/>
+            <a:spLocks noGrp="1" noRot="1" noChangeAspect="1" noChangeArrowheads="1" noTextEdit="1"/>
           </p:cNvSpPr>
           <p:nvPr>
             <p:ph type="sldImg"/>
@@ -1250,7 +1250,7 @@
           <a:lstStyle/>
           <a:p>
             <a:pPr eaLnBrk="1" hangingPunct="1"/>
-            <a:endParaRPr lang="en-US" altLang="en-US" smtClean="0">
+            <a:endParaRPr lang="en-US" altLang="en-US">
               <a:latin typeface="Arial" panose="020B0604020202020204" pitchFamily="34" charset="0"/>
             </a:endParaRPr>
           </a:p>
@@ -1451,7 +1451,7 @@
         <p:nvSpPr>
           <p:cNvPr id="12291" name="Rectangle 2"/>
           <p:cNvSpPr>
-            <a:spLocks noRot="1" noChangeArrowheads="1" noTextEdit="1"/>
+            <a:spLocks noGrp="1" noRot="1" noChangeAspect="1" noChangeArrowheads="1" noTextEdit="1"/>
           </p:cNvSpPr>
           <p:nvPr>
             <p:ph type="sldImg"/>
@@ -1498,7 +1498,7 @@
           <a:lstStyle/>
           <a:p>
             <a:pPr eaLnBrk="1" hangingPunct="1"/>
-            <a:endParaRPr lang="en-US" altLang="en-US" smtClean="0">
+            <a:endParaRPr lang="en-US" altLang="en-US">
               <a:latin typeface="Arial" panose="020B0604020202020204" pitchFamily="34" charset="0"/>
             </a:endParaRPr>
           </a:p>
@@ -1699,7 +1699,7 @@
         <p:nvSpPr>
           <p:cNvPr id="13315" name="Rectangle 2"/>
           <p:cNvSpPr>
-            <a:spLocks noRot="1" noChangeArrowheads="1" noTextEdit="1"/>
+            <a:spLocks noGrp="1" noRot="1" noChangeAspect="1" noChangeArrowheads="1" noTextEdit="1"/>
           </p:cNvSpPr>
           <p:nvPr>
             <p:ph type="sldImg"/>
@@ -1746,7 +1746,7 @@
           <a:lstStyle/>
           <a:p>
             <a:pPr eaLnBrk="1" hangingPunct="1"/>
-            <a:endParaRPr lang="en-US" altLang="en-US" smtClean="0">
+            <a:endParaRPr lang="en-US" altLang="en-US">
               <a:latin typeface="Arial" panose="020B0604020202020204" pitchFamily="34" charset="0"/>
             </a:endParaRPr>
           </a:p>
@@ -1947,7 +1947,7 @@
         <p:nvSpPr>
           <p:cNvPr id="14339" name="Rectangle 2"/>
           <p:cNvSpPr>
-            <a:spLocks noRot="1" noChangeArrowheads="1" noTextEdit="1"/>
+            <a:spLocks noGrp="1" noRot="1" noChangeAspect="1" noChangeArrowheads="1" noTextEdit="1"/>
           </p:cNvSpPr>
           <p:nvPr>
             <p:ph type="sldImg"/>
@@ -1994,7 +1994,7 @@
           <a:lstStyle/>
           <a:p>
             <a:pPr eaLnBrk="1" hangingPunct="1"/>
-            <a:endParaRPr lang="en-US" altLang="en-US" smtClean="0">
+            <a:endParaRPr lang="en-US" altLang="en-US">
               <a:latin typeface="Arial" panose="020B0604020202020204" pitchFamily="34" charset="0"/>
             </a:endParaRPr>
           </a:p>
@@ -2195,7 +2195,7 @@
         <p:nvSpPr>
           <p:cNvPr id="15363" name="Rectangle 2"/>
           <p:cNvSpPr>
-            <a:spLocks noRot="1" noChangeArrowheads="1" noTextEdit="1"/>
+            <a:spLocks noGrp="1" noRot="1" noChangeAspect="1" noChangeArrowheads="1" noTextEdit="1"/>
           </p:cNvSpPr>
           <p:nvPr>
             <p:ph type="sldImg"/>
@@ -2242,7 +2242,7 @@
           <a:lstStyle/>
           <a:p>
             <a:pPr eaLnBrk="1" hangingPunct="1"/>
-            <a:endParaRPr lang="en-US" altLang="en-US" smtClean="0">
+            <a:endParaRPr lang="en-US" altLang="en-US">
               <a:latin typeface="Arial" panose="020B0604020202020204" pitchFamily="34" charset="0"/>
             </a:endParaRPr>
           </a:p>
@@ -2443,7 +2443,7 @@
         <p:nvSpPr>
           <p:cNvPr id="16387" name="Rectangle 2"/>
           <p:cNvSpPr>
-            <a:spLocks noRot="1" noChangeArrowheads="1" noTextEdit="1"/>
+            <a:spLocks noGrp="1" noRot="1" noChangeAspect="1" noChangeArrowheads="1" noTextEdit="1"/>
           </p:cNvSpPr>
           <p:nvPr>
             <p:ph type="sldImg"/>
@@ -2490,7 +2490,7 @@
           <a:lstStyle/>
           <a:p>
             <a:pPr eaLnBrk="1" hangingPunct="1"/>
-            <a:endParaRPr lang="en-US" altLang="en-US" smtClean="0">
+            <a:endParaRPr lang="en-US" altLang="en-US">
               <a:latin typeface="Arial" panose="020B0604020202020204" pitchFamily="34" charset="0"/>
             </a:endParaRPr>
           </a:p>
@@ -2542,10 +2542,9 @@
           <a:lstStyle/>
           <a:p>
             <a:r>
-              <a:rPr lang="en-US" smtClean="0"/>
+              <a:rPr lang="en-US"/>
               <a:t>Click to edit Master title style</a:t>
             </a:r>
-            <a:endParaRPr lang="en-US"/>
           </a:p>
         </p:txBody>
       </p:sp>
@@ -2607,10 +2606,9 @@
           </a:lstStyle>
           <a:p>
             <a:r>
-              <a:rPr lang="en-US" smtClean="0"/>
+              <a:rPr lang="en-US"/>
               <a:t>Click to edit Master subtitle style</a:t>
             </a:r>
-            <a:endParaRPr lang="en-US"/>
           </a:p>
         </p:txBody>
       </p:sp>
@@ -2746,10 +2744,9 @@
           <a:lstStyle/>
           <a:p>
             <a:r>
-              <a:rPr lang="en-US" smtClean="0"/>
+              <a:rPr lang="en-US"/>
               <a:t>Click to edit Master title style</a:t>
             </a:r>
-            <a:endParaRPr lang="en-US"/>
           </a:p>
         </p:txBody>
       </p:sp>
@@ -2770,38 +2767,37 @@
           <a:p>
             <a:pPr lvl="0"/>
             <a:r>
-              <a:rPr lang="en-US" smtClean="0"/>
+              <a:rPr lang="en-US"/>
               <a:t>Click to edit Master text styles</a:t>
             </a:r>
           </a:p>
           <a:p>
             <a:pPr lvl="1"/>
             <a:r>
-              <a:rPr lang="en-US" smtClean="0"/>
+              <a:rPr lang="en-US"/>
               <a:t>Second level</a:t>
             </a:r>
           </a:p>
           <a:p>
             <a:pPr lvl="2"/>
             <a:r>
-              <a:rPr lang="en-US" smtClean="0"/>
+              <a:rPr lang="en-US"/>
               <a:t>Third level</a:t>
             </a:r>
           </a:p>
           <a:p>
             <a:pPr lvl="3"/>
             <a:r>
-              <a:rPr lang="en-US" smtClean="0"/>
+              <a:rPr lang="en-US"/>
               <a:t>Fourth level</a:t>
             </a:r>
           </a:p>
           <a:p>
             <a:pPr lvl="4"/>
             <a:r>
-              <a:rPr lang="en-US" smtClean="0"/>
+              <a:rPr lang="en-US"/>
               <a:t>Fifth level</a:t>
             </a:r>
-            <a:endParaRPr lang="en-US"/>
           </a:p>
         </p:txBody>
       </p:sp>
@@ -2942,10 +2938,9 @@
           <a:lstStyle/>
           <a:p>
             <a:r>
-              <a:rPr lang="en-US" smtClean="0"/>
+              <a:rPr lang="en-US"/>
               <a:t>Click to edit Master title style</a:t>
             </a:r>
-            <a:endParaRPr lang="en-US"/>
           </a:p>
         </p:txBody>
       </p:sp>
@@ -2971,38 +2966,37 @@
           <a:p>
             <a:pPr lvl="0"/>
             <a:r>
-              <a:rPr lang="en-US" smtClean="0"/>
+              <a:rPr lang="en-US"/>
               <a:t>Click to edit Master text styles</a:t>
             </a:r>
           </a:p>
           <a:p>
             <a:pPr lvl="1"/>
             <a:r>
-              <a:rPr lang="en-US" smtClean="0"/>
+              <a:rPr lang="en-US"/>
               <a:t>Second level</a:t>
             </a:r>
           </a:p>
           <a:p>
             <a:pPr lvl="2"/>
             <a:r>
-              <a:rPr lang="en-US" smtClean="0"/>
+              <a:rPr lang="en-US"/>
               <a:t>Third level</a:t>
             </a:r>
           </a:p>
           <a:p>
             <a:pPr lvl="3"/>
             <a:r>
-              <a:rPr lang="en-US" smtClean="0"/>
+              <a:rPr lang="en-US"/>
               <a:t>Fourth level</a:t>
             </a:r>
           </a:p>
           <a:p>
             <a:pPr lvl="4"/>
             <a:r>
-              <a:rPr lang="en-US" smtClean="0"/>
+              <a:rPr lang="en-US"/>
               <a:t>Fifth level</a:t>
             </a:r>
-            <a:endParaRPr lang="en-US"/>
           </a:p>
         </p:txBody>
       </p:sp>
@@ -3143,10 +3137,9 @@
           <a:lstStyle/>
           <a:p>
             <a:r>
-              <a:rPr lang="en-US" smtClean="0"/>
+              <a:rPr lang="en-US"/>
               <a:t>Click to edit Master title style</a:t>
             </a:r>
-            <a:endParaRPr lang="en-US"/>
           </a:p>
         </p:txBody>
       </p:sp>
@@ -3172,38 +3165,37 @@
           <a:p>
             <a:pPr lvl="0"/>
             <a:r>
-              <a:rPr lang="en-US" smtClean="0"/>
+              <a:rPr lang="en-US"/>
               <a:t>Click to edit Master text styles</a:t>
             </a:r>
           </a:p>
           <a:p>
             <a:pPr lvl="1"/>
             <a:r>
-              <a:rPr lang="en-US" smtClean="0"/>
+              <a:rPr lang="en-US"/>
               <a:t>Second level</a:t>
             </a:r>
           </a:p>
           <a:p>
             <a:pPr lvl="2"/>
             <a:r>
-              <a:rPr lang="en-US" smtClean="0"/>
+              <a:rPr lang="en-US"/>
               <a:t>Third level</a:t>
             </a:r>
           </a:p>
           <a:p>
             <a:pPr lvl="3"/>
             <a:r>
-              <a:rPr lang="en-US" smtClean="0"/>
+              <a:rPr lang="en-US"/>
               <a:t>Fourth level</a:t>
             </a:r>
           </a:p>
           <a:p>
             <a:pPr lvl="4"/>
             <a:r>
-              <a:rPr lang="en-US" smtClean="0"/>
+              <a:rPr lang="en-US"/>
               <a:t>Fifth level</a:t>
             </a:r>
-            <a:endParaRPr lang="en-US"/>
           </a:p>
         </p:txBody>
       </p:sp>
@@ -3229,38 +3221,37 @@
           <a:p>
             <a:pPr lvl="0"/>
             <a:r>
-              <a:rPr lang="en-US" smtClean="0"/>
+              <a:rPr lang="en-US"/>
               <a:t>Click to edit Master text styles</a:t>
             </a:r>
           </a:p>
           <a:p>
             <a:pPr lvl="1"/>
             <a:r>
-              <a:rPr lang="en-US" smtClean="0"/>
+              <a:rPr lang="en-US"/>
               <a:t>Second level</a:t>
             </a:r>
           </a:p>
           <a:p>
             <a:pPr lvl="2"/>
             <a:r>
-              <a:rPr lang="en-US" smtClean="0"/>
+              <a:rPr lang="en-US"/>
               <a:t>Third level</a:t>
             </a:r>
           </a:p>
           <a:p>
             <a:pPr lvl="3"/>
             <a:r>
-              <a:rPr lang="en-US" smtClean="0"/>
+              <a:rPr lang="en-US"/>
               <a:t>Fourth level</a:t>
             </a:r>
           </a:p>
           <a:p>
             <a:pPr lvl="4"/>
             <a:r>
-              <a:rPr lang="en-US" smtClean="0"/>
+              <a:rPr lang="en-US"/>
               <a:t>Fifth level</a:t>
             </a:r>
-            <a:endParaRPr lang="en-US"/>
           </a:p>
         </p:txBody>
       </p:sp>
@@ -3396,10 +3387,9 @@
           <a:lstStyle/>
           <a:p>
             <a:r>
-              <a:rPr lang="en-US" smtClean="0"/>
+              <a:rPr lang="en-US"/>
               <a:t>Click to edit Master title style</a:t>
             </a:r>
-            <a:endParaRPr lang="en-US"/>
           </a:p>
         </p:txBody>
       </p:sp>
@@ -3420,38 +3410,37 @@
           <a:p>
             <a:pPr lvl="0"/>
             <a:r>
-              <a:rPr lang="en-US" smtClean="0"/>
+              <a:rPr lang="en-US"/>
               <a:t>Click to edit Master text styles</a:t>
             </a:r>
           </a:p>
           <a:p>
             <a:pPr lvl="1"/>
             <a:r>
-              <a:rPr lang="en-US" smtClean="0"/>
+              <a:rPr lang="en-US"/>
               <a:t>Second level</a:t>
             </a:r>
           </a:p>
           <a:p>
             <a:pPr lvl="2"/>
             <a:r>
-              <a:rPr lang="en-US" smtClean="0"/>
+              <a:rPr lang="en-US"/>
               <a:t>Third level</a:t>
             </a:r>
           </a:p>
           <a:p>
             <a:pPr lvl="3"/>
             <a:r>
-              <a:rPr lang="en-US" smtClean="0"/>
+              <a:rPr lang="en-US"/>
               <a:t>Fourth level</a:t>
             </a:r>
           </a:p>
           <a:p>
             <a:pPr lvl="4"/>
             <a:r>
-              <a:rPr lang="en-US" smtClean="0"/>
+              <a:rPr lang="en-US"/>
               <a:t>Fifth level</a:t>
             </a:r>
-            <a:endParaRPr lang="en-US"/>
           </a:p>
         </p:txBody>
       </p:sp>
@@ -3596,10 +3585,9 @@
           </a:lstStyle>
           <a:p>
             <a:r>
-              <a:rPr lang="en-US" smtClean="0"/>
+              <a:rPr lang="en-US"/>
               <a:t>Click to edit Master title style</a:t>
             </a:r>
-            <a:endParaRPr lang="en-US"/>
           </a:p>
         </p:txBody>
       </p:sp>
@@ -3662,7 +3650,7 @@
           <a:p>
             <a:pPr lvl="0"/>
             <a:r>
-              <a:rPr lang="en-US" smtClean="0"/>
+              <a:rPr lang="en-US"/>
               <a:t>Click to edit Master text styles</a:t>
             </a:r>
           </a:p>
@@ -3800,10 +3788,9 @@
           <a:lstStyle/>
           <a:p>
             <a:r>
-              <a:rPr lang="en-US" smtClean="0"/>
+              <a:rPr lang="en-US"/>
               <a:t>Click to edit Master title style</a:t>
             </a:r>
-            <a:endParaRPr lang="en-US"/>
           </a:p>
         </p:txBody>
       </p:sp>
@@ -3857,38 +3844,37 @@
           <a:p>
             <a:pPr lvl="0"/>
             <a:r>
-              <a:rPr lang="en-US" smtClean="0"/>
+              <a:rPr lang="en-US"/>
               <a:t>Click to edit Master text styles</a:t>
             </a:r>
           </a:p>
           <a:p>
             <a:pPr lvl="1"/>
             <a:r>
-              <a:rPr lang="en-US" smtClean="0"/>
+              <a:rPr lang="en-US"/>
               <a:t>Second level</a:t>
             </a:r>
           </a:p>
           <a:p>
             <a:pPr lvl="2"/>
             <a:r>
-              <a:rPr lang="en-US" smtClean="0"/>
+              <a:rPr lang="en-US"/>
               <a:t>Third level</a:t>
             </a:r>
           </a:p>
           <a:p>
             <a:pPr lvl="3"/>
             <a:r>
-              <a:rPr lang="en-US" smtClean="0"/>
+              <a:rPr lang="en-US"/>
               <a:t>Fourth level</a:t>
             </a:r>
           </a:p>
           <a:p>
             <a:pPr lvl="4"/>
             <a:r>
-              <a:rPr lang="en-US" smtClean="0"/>
+              <a:rPr lang="en-US"/>
               <a:t>Fifth level</a:t>
             </a:r>
-            <a:endParaRPr lang="en-US"/>
           </a:p>
         </p:txBody>
       </p:sp>
@@ -3942,38 +3928,37 @@
           <a:p>
             <a:pPr lvl="0"/>
             <a:r>
-              <a:rPr lang="en-US" smtClean="0"/>
+              <a:rPr lang="en-US"/>
               <a:t>Click to edit Master text styles</a:t>
             </a:r>
           </a:p>
           <a:p>
             <a:pPr lvl="1"/>
             <a:r>
-              <a:rPr lang="en-US" smtClean="0"/>
+              <a:rPr lang="en-US"/>
               <a:t>Second level</a:t>
             </a:r>
           </a:p>
           <a:p>
             <a:pPr lvl="2"/>
             <a:r>
-              <a:rPr lang="en-US" smtClean="0"/>
+              <a:rPr lang="en-US"/>
               <a:t>Third level</a:t>
             </a:r>
           </a:p>
           <a:p>
             <a:pPr lvl="3"/>
             <a:r>
-              <a:rPr lang="en-US" smtClean="0"/>
+              <a:rPr lang="en-US"/>
               <a:t>Fourth level</a:t>
             </a:r>
           </a:p>
           <a:p>
             <a:pPr lvl="4"/>
             <a:r>
-              <a:rPr lang="en-US" smtClean="0"/>
+              <a:rPr lang="en-US"/>
               <a:t>Fifth level</a:t>
             </a:r>
-            <a:endParaRPr lang="en-US"/>
           </a:p>
         </p:txBody>
       </p:sp>
@@ -4113,10 +4098,9 @@
           </a:lstStyle>
           <a:p>
             <a:r>
-              <a:rPr lang="en-US" smtClean="0"/>
+              <a:rPr lang="en-US"/>
               <a:t>Click to edit Master title style</a:t>
             </a:r>
-            <a:endParaRPr lang="en-US"/>
           </a:p>
         </p:txBody>
       </p:sp>
@@ -4179,7 +4163,7 @@
           <a:p>
             <a:pPr lvl="0"/>
             <a:r>
-              <a:rPr lang="en-US" smtClean="0"/>
+              <a:rPr lang="en-US"/>
               <a:t>Click to edit Master text styles</a:t>
             </a:r>
           </a:p>
@@ -4235,38 +4219,37 @@
           <a:p>
             <a:pPr lvl="0"/>
             <a:r>
-              <a:rPr lang="en-US" smtClean="0"/>
+              <a:rPr lang="en-US"/>
               <a:t>Click to edit Master text styles</a:t>
             </a:r>
           </a:p>
           <a:p>
             <a:pPr lvl="1"/>
             <a:r>
-              <a:rPr lang="en-US" smtClean="0"/>
+              <a:rPr lang="en-US"/>
               <a:t>Second level</a:t>
             </a:r>
           </a:p>
           <a:p>
             <a:pPr lvl="2"/>
             <a:r>
-              <a:rPr lang="en-US" smtClean="0"/>
+              <a:rPr lang="en-US"/>
               <a:t>Third level</a:t>
             </a:r>
           </a:p>
           <a:p>
             <a:pPr lvl="3"/>
             <a:r>
-              <a:rPr lang="en-US" smtClean="0"/>
+              <a:rPr lang="en-US"/>
               <a:t>Fourth level</a:t>
             </a:r>
           </a:p>
           <a:p>
             <a:pPr lvl="4"/>
             <a:r>
-              <a:rPr lang="en-US" smtClean="0"/>
+              <a:rPr lang="en-US"/>
               <a:t>Fifth level</a:t>
             </a:r>
-            <a:endParaRPr lang="en-US"/>
           </a:p>
         </p:txBody>
       </p:sp>
@@ -4329,7 +4312,7 @@
           <a:p>
             <a:pPr lvl="0"/>
             <a:r>
-              <a:rPr lang="en-US" smtClean="0"/>
+              <a:rPr lang="en-US"/>
               <a:t>Click to edit Master text styles</a:t>
             </a:r>
           </a:p>
@@ -4385,38 +4368,37 @@
           <a:p>
             <a:pPr lvl="0"/>
             <a:r>
-              <a:rPr lang="en-US" smtClean="0"/>
+              <a:rPr lang="en-US"/>
               <a:t>Click to edit Master text styles</a:t>
             </a:r>
           </a:p>
           <a:p>
             <a:pPr lvl="1"/>
             <a:r>
-              <a:rPr lang="en-US" smtClean="0"/>
+              <a:rPr lang="en-US"/>
               <a:t>Second level</a:t>
             </a:r>
           </a:p>
           <a:p>
             <a:pPr lvl="2"/>
             <a:r>
-              <a:rPr lang="en-US" smtClean="0"/>
+              <a:rPr lang="en-US"/>
               <a:t>Third level</a:t>
             </a:r>
           </a:p>
           <a:p>
             <a:pPr lvl="3"/>
             <a:r>
-              <a:rPr lang="en-US" smtClean="0"/>
+              <a:rPr lang="en-US"/>
               <a:t>Fourth level</a:t>
             </a:r>
           </a:p>
           <a:p>
             <a:pPr lvl="4"/>
             <a:r>
-              <a:rPr lang="en-US" smtClean="0"/>
+              <a:rPr lang="en-US"/>
               <a:t>Fifth level</a:t>
             </a:r>
-            <a:endParaRPr lang="en-US"/>
           </a:p>
         </p:txBody>
       </p:sp>
@@ -4552,10 +4534,9 @@
           <a:lstStyle/>
           <a:p>
             <a:r>
-              <a:rPr lang="en-US" smtClean="0"/>
+              <a:rPr lang="en-US"/>
               <a:t>Click to edit Master title style</a:t>
             </a:r>
-            <a:endParaRPr lang="en-US"/>
           </a:p>
         </p:txBody>
       </p:sp>
@@ -4816,10 +4797,9 @@
           </a:lstStyle>
           <a:p>
             <a:r>
-              <a:rPr lang="en-US" smtClean="0"/>
+              <a:rPr lang="en-US"/>
               <a:t>Click to edit Master title style</a:t>
             </a:r>
-            <a:endParaRPr lang="en-US"/>
           </a:p>
         </p:txBody>
       </p:sp>
@@ -4873,38 +4853,37 @@
           <a:p>
             <a:pPr lvl="0"/>
             <a:r>
-              <a:rPr lang="en-US" smtClean="0"/>
+              <a:rPr lang="en-US"/>
               <a:t>Click to edit Master text styles</a:t>
             </a:r>
           </a:p>
           <a:p>
             <a:pPr lvl="1"/>
             <a:r>
-              <a:rPr lang="en-US" smtClean="0"/>
+              <a:rPr lang="en-US"/>
               <a:t>Second level</a:t>
             </a:r>
           </a:p>
           <a:p>
             <a:pPr lvl="2"/>
             <a:r>
-              <a:rPr lang="en-US" smtClean="0"/>
+              <a:rPr lang="en-US"/>
               <a:t>Third level</a:t>
             </a:r>
           </a:p>
           <a:p>
             <a:pPr lvl="3"/>
             <a:r>
-              <a:rPr lang="en-US" smtClean="0"/>
+              <a:rPr lang="en-US"/>
               <a:t>Fourth level</a:t>
             </a:r>
           </a:p>
           <a:p>
             <a:pPr lvl="4"/>
             <a:r>
-              <a:rPr lang="en-US" smtClean="0"/>
+              <a:rPr lang="en-US"/>
               <a:t>Fifth level</a:t>
             </a:r>
-            <a:endParaRPr lang="en-US"/>
           </a:p>
         </p:txBody>
       </p:sp>
@@ -4967,7 +4946,7 @@
           <a:p>
             <a:pPr lvl="0"/>
             <a:r>
-              <a:rPr lang="en-US" smtClean="0"/>
+              <a:rPr lang="en-US"/>
               <a:t>Click to edit Master text styles</a:t>
             </a:r>
           </a:p>
@@ -5114,10 +5093,9 @@
           </a:lstStyle>
           <a:p>
             <a:r>
-              <a:rPr lang="en-US" smtClean="0"/>
+              <a:rPr lang="en-US"/>
               <a:t>Click to edit Master title style</a:t>
             </a:r>
-            <a:endParaRPr lang="en-US"/>
           </a:p>
         </p:txBody>
       </p:sp>
@@ -5179,7 +5157,7 @@
           </a:lstStyle>
           <a:p>
             <a:pPr lvl="0"/>
-            <a:endParaRPr lang="en-US" noProof="0" smtClean="0"/>
+            <a:endParaRPr lang="en-US" noProof="0"/>
           </a:p>
         </p:txBody>
       </p:sp>
@@ -5242,7 +5220,7 @@
           <a:p>
             <a:pPr lvl="0"/>
             <a:r>
-              <a:rPr lang="en-US" smtClean="0"/>
+              <a:rPr lang="en-US"/>
               <a:t>Click to edit Master text styles</a:t>
             </a:r>
           </a:p>
@@ -5434,7 +5412,7 @@
           <a:p>
             <a:pPr lvl="0"/>
             <a:r>
-              <a:rPr lang="en-US" altLang="en-US" smtClean="0"/>
+              <a:rPr lang="en-US" altLang="en-US"/>
               <a:t>Click to edit Master title style</a:t>
             </a:r>
           </a:p>
@@ -5502,35 +5480,35 @@
           <a:p>
             <a:pPr lvl="0"/>
             <a:r>
-              <a:rPr lang="en-US" altLang="en-US" smtClean="0"/>
+              <a:rPr lang="en-US" altLang="en-US"/>
               <a:t>Click to edit Master text styles</a:t>
             </a:r>
           </a:p>
           <a:p>
             <a:pPr lvl="1"/>
             <a:r>
-              <a:rPr lang="en-US" altLang="en-US" smtClean="0"/>
+              <a:rPr lang="en-US" altLang="en-US"/>
               <a:t>Second level</a:t>
             </a:r>
           </a:p>
           <a:p>
             <a:pPr lvl="2"/>
             <a:r>
-              <a:rPr lang="en-US" altLang="en-US" smtClean="0"/>
+              <a:rPr lang="en-US" altLang="en-US"/>
               <a:t>Third level</a:t>
             </a:r>
           </a:p>
           <a:p>
             <a:pPr lvl="3"/>
             <a:r>
-              <a:rPr lang="en-US" altLang="en-US" smtClean="0"/>
+              <a:rPr lang="en-US" altLang="en-US"/>
               <a:t>Fourth level</a:t>
             </a:r>
           </a:p>
           <a:p>
             <a:pPr lvl="4"/>
             <a:r>
-              <a:rPr lang="en-US" altLang="en-US" smtClean="0"/>
+              <a:rPr lang="en-US" altLang="en-US"/>
               <a:t>Fifth level</a:t>
             </a:r>
           </a:p>
@@ -6176,7 +6154,7 @@
           <a:p>
             <a:pPr eaLnBrk="1" hangingPunct="1"/>
             <a:r>
-              <a:rPr lang="en-US" altLang="en-US" smtClean="0"/>
+              <a:rPr lang="en-US" altLang="en-US"/>
               <a:t>Chap 1: Background</a:t>
             </a:r>
           </a:p>
@@ -6203,7 +6181,7 @@
               </a:lnSpc>
             </a:pPr>
             <a:r>
-              <a:rPr lang="en-US" altLang="en-US" sz="2800" smtClean="0"/>
+              <a:rPr lang="en-US" altLang="en-US" sz="2800"/>
               <a:t>Concepts of CIA: confidentiality, integrity, and availability</a:t>
             </a:r>
           </a:p>
@@ -6214,7 +6192,7 @@
               </a:lnSpc>
             </a:pPr>
             <a:r>
-              <a:rPr lang="en-US" altLang="en-US" sz="2800" smtClean="0"/>
+              <a:rPr lang="en-US" altLang="en-US" sz="2800"/>
               <a:t>Confidentiality: concealment of information</a:t>
             </a:r>
           </a:p>
@@ -6225,7 +6203,7 @@
               </a:lnSpc>
             </a:pPr>
             <a:r>
-              <a:rPr lang="en-US" altLang="en-US" sz="2400" smtClean="0"/>
+              <a:rPr lang="en-US" altLang="en-US" sz="2400"/>
               <a:t>The need arises from sensitive fields (military, industry)</a:t>
             </a:r>
           </a:p>
@@ -6236,15 +6214,15 @@
               </a:lnSpc>
             </a:pPr>
             <a:r>
-              <a:rPr lang="en-US" altLang="en-US" sz="2400" smtClean="0"/>
+              <a:rPr lang="en-US" altLang="en-US" sz="2400"/>
               <a:t>Examples: encryption (protect the key), access control, </a:t>
             </a:r>
             <a:r>
-              <a:rPr lang="en-US" altLang="en-US" sz="2400" b="1" smtClean="0"/>
+              <a:rPr lang="en-US" altLang="en-US" sz="2400" b="1"/>
               <a:t>existence of the data</a:t>
             </a:r>
             <a:r>
-              <a:rPr lang="en-US" altLang="en-US" sz="2400" smtClean="0"/>
+              <a:rPr lang="en-US" altLang="en-US" sz="2400"/>
               <a:t>, resource hiding (configuration, how many servers does google have?)</a:t>
             </a:r>
           </a:p>
@@ -6292,7 +6270,7 @@
           <a:p>
             <a:pPr eaLnBrk="1" hangingPunct="1"/>
             <a:r>
-              <a:rPr lang="en-US" altLang="en-US" smtClean="0"/>
+              <a:rPr lang="en-US" altLang="en-US"/>
               <a:t>Chap 1: Background</a:t>
             </a:r>
           </a:p>
@@ -6319,7 +6297,7 @@
               </a:lnSpc>
             </a:pPr>
             <a:r>
-              <a:rPr lang="en-US" altLang="en-US" sz="2800" smtClean="0"/>
+              <a:rPr lang="en-US" altLang="en-US" sz="2800"/>
               <a:t>Integrity: prevent unauthorized or improper changes, is directly related to trustworthiness of data and sources</a:t>
             </a:r>
           </a:p>
@@ -6330,7 +6308,7 @@
               </a:lnSpc>
             </a:pPr>
             <a:r>
-              <a:rPr lang="en-US" altLang="en-US" sz="2400" smtClean="0"/>
+              <a:rPr lang="en-US" altLang="en-US" sz="2400"/>
               <a:t>Include data integrity and origin integrity (has impact on trust), therefore, related to credibility</a:t>
             </a:r>
           </a:p>
@@ -6341,7 +6319,7 @@
               </a:lnSpc>
             </a:pPr>
             <a:r>
-              <a:rPr lang="en-US" altLang="en-US" sz="2400" smtClean="0"/>
+              <a:rPr lang="en-US" altLang="en-US" sz="2400"/>
               <a:t>Prevention: </a:t>
             </a:r>
           </a:p>
@@ -6352,7 +6330,7 @@
               </a:lnSpc>
             </a:pPr>
             <a:r>
-              <a:rPr lang="en-US" altLang="en-US" smtClean="0"/>
+              <a:rPr lang="en-US" altLang="en-US"/>
               <a:t>prevent unauthorized changes </a:t>
             </a:r>
           </a:p>
@@ -6363,7 +6341,7 @@
               </a:lnSpc>
             </a:pPr>
             <a:r>
-              <a:rPr lang="en-US" altLang="en-US" smtClean="0"/>
+              <a:rPr lang="en-US" altLang="en-US"/>
               <a:t>changes in unauthorized ways</a:t>
             </a:r>
           </a:p>
@@ -6374,7 +6352,7 @@
               </a:lnSpc>
             </a:pPr>
             <a:r>
-              <a:rPr lang="en-US" altLang="en-US" sz="2400" smtClean="0"/>
+              <a:rPr lang="en-US" altLang="en-US" sz="2400"/>
               <a:t>Detection</a:t>
             </a:r>
           </a:p>
@@ -6385,7 +6363,7 @@
               </a:lnSpc>
             </a:pPr>
             <a:r>
-              <a:rPr lang="en-US" altLang="en-US" smtClean="0"/>
+              <a:rPr lang="en-US" altLang="en-US"/>
               <a:t>Report integrity violation (confine dirty data??)</a:t>
             </a:r>
           </a:p>
@@ -6433,7 +6411,7 @@
           <a:p>
             <a:pPr eaLnBrk="1" hangingPunct="1"/>
             <a:r>
-              <a:rPr lang="en-US" altLang="en-US" smtClean="0"/>
+              <a:rPr lang="en-US" altLang="en-US"/>
               <a:t>Chap 1: Background</a:t>
             </a:r>
           </a:p>
@@ -6460,7 +6438,7 @@
               </a:lnSpc>
             </a:pPr>
             <a:r>
-              <a:rPr lang="en-US" altLang="en-US" sz="2800" smtClean="0"/>
+              <a:rPr lang="en-US" altLang="en-US" sz="2800"/>
               <a:t>Concepts of CIA: confidentiality, integrity, and availability (continued)</a:t>
             </a:r>
           </a:p>
@@ -6471,7 +6449,7 @@
               </a:lnSpc>
             </a:pPr>
             <a:r>
-              <a:rPr lang="en-US" altLang="en-US" sz="2800" smtClean="0"/>
+              <a:rPr lang="en-US" altLang="en-US" sz="2800"/>
               <a:t>Availability: ability to use the data or resources</a:t>
             </a:r>
           </a:p>
@@ -6482,7 +6460,7 @@
               </a:lnSpc>
             </a:pPr>
             <a:r>
-              <a:rPr lang="en-US" altLang="en-US" sz="2400" smtClean="0"/>
+              <a:rPr lang="en-US" altLang="en-US" sz="2400"/>
               <a:t>Example of highway</a:t>
             </a:r>
           </a:p>
@@ -6493,7 +6471,7 @@
               </a:lnSpc>
             </a:pPr>
             <a:r>
-              <a:rPr lang="en-US" altLang="en-US" sz="2400" smtClean="0"/>
+              <a:rPr lang="en-US" altLang="en-US" sz="2400"/>
               <a:t>DoS or DDoS attacks </a:t>
             </a:r>
           </a:p>
@@ -6504,7 +6482,7 @@
               </a:lnSpc>
             </a:pPr>
             <a:r>
-              <a:rPr lang="en-US" altLang="en-US" sz="2400" smtClean="0"/>
+              <a:rPr lang="en-US" altLang="en-US" sz="2400"/>
               <a:t>Very difficult to detect</a:t>
             </a:r>
           </a:p>
@@ -6515,7 +6493,7 @@
               </a:lnSpc>
             </a:pPr>
             <a:r>
-              <a:rPr lang="en-US" altLang="en-US" smtClean="0"/>
+              <a:rPr lang="en-US" altLang="en-US"/>
               <a:t>Is it attack or we are unlucky today</a:t>
             </a:r>
           </a:p>
@@ -6526,7 +6504,7 @@
               </a:lnSpc>
             </a:pPr>
             <a:r>
-              <a:rPr lang="en-US" altLang="en-US" smtClean="0"/>
+              <a:rPr lang="en-US" altLang="en-US"/>
               <a:t>Attacker will mess with the security methods as well (packet tracing) </a:t>
             </a:r>
           </a:p>
@@ -6573,7 +6551,7 @@
           <a:lstStyle/>
           <a:p>
             <a:pPr eaLnBrk="1" hangingPunct="1"/>
-            <a:endParaRPr lang="en-US" altLang="en-US" smtClean="0"/>
+            <a:endParaRPr lang="en-US" altLang="en-US"/>
           </a:p>
         </p:txBody>
       </p:sp>
@@ -6594,56 +6572,56 @@
           <a:p>
             <a:pPr eaLnBrk="1" hangingPunct="1"/>
             <a:r>
-              <a:rPr lang="en-US" altLang="en-US" smtClean="0"/>
+              <a:rPr lang="en-US" altLang="en-US"/>
               <a:t>Threats:</a:t>
             </a:r>
           </a:p>
           <a:p>
             <a:pPr lvl="1" eaLnBrk="1" hangingPunct="1"/>
             <a:r>
-              <a:rPr lang="en-US" altLang="en-US" smtClean="0"/>
+              <a:rPr lang="en-US" altLang="en-US"/>
               <a:t>A potential violation of security (not necessarily occur at this moment). </a:t>
             </a:r>
           </a:p>
           <a:p>
             <a:pPr lvl="2" eaLnBrk="1" hangingPunct="1"/>
             <a:r>
-              <a:rPr lang="en-US" altLang="en-US" smtClean="0"/>
+              <a:rPr lang="en-US" altLang="en-US"/>
               <a:t>The actions that cause such violations are called attacks.</a:t>
             </a:r>
           </a:p>
           <a:p>
             <a:pPr lvl="2" eaLnBrk="1" hangingPunct="1"/>
             <a:r>
-              <a:rPr lang="en-US" altLang="en-US" smtClean="0"/>
+              <a:rPr lang="en-US" altLang="en-US"/>
               <a:t>4 classes of threats:</a:t>
             </a:r>
           </a:p>
           <a:p>
             <a:pPr lvl="3" eaLnBrk="1" hangingPunct="1"/>
             <a:r>
-              <a:rPr lang="en-US" altLang="en-US" smtClean="0"/>
+              <a:rPr lang="en-US" altLang="en-US"/>
               <a:t>Disclosure: unauthorized access to data</a:t>
             </a:r>
           </a:p>
           <a:p>
             <a:pPr lvl="3" eaLnBrk="1" hangingPunct="1"/>
             <a:r>
-              <a:rPr lang="en-US" altLang="en-US" smtClean="0"/>
+              <a:rPr lang="en-US" altLang="en-US"/>
               <a:t>Deception: acceptance of false data</a:t>
             </a:r>
           </a:p>
           <a:p>
             <a:pPr lvl="3" eaLnBrk="1" hangingPunct="1"/>
             <a:r>
-              <a:rPr lang="en-US" altLang="en-US" smtClean="0"/>
+              <a:rPr lang="en-US" altLang="en-US"/>
               <a:t>Disruption: interruption or prevention of correct operation</a:t>
             </a:r>
           </a:p>
           <a:p>
             <a:pPr lvl="3" eaLnBrk="1" hangingPunct="1"/>
             <a:r>
-              <a:rPr lang="en-US" altLang="en-US" smtClean="0"/>
+              <a:rPr lang="en-US" altLang="en-US"/>
               <a:t>Usurpation: unauthorized control of the system</a:t>
             </a:r>
           </a:p>
@@ -6690,7 +6668,7 @@
           <a:lstStyle/>
           <a:p>
             <a:pPr eaLnBrk="1" hangingPunct="1"/>
-            <a:endParaRPr lang="en-US" altLang="en-US" smtClean="0"/>
+            <a:endParaRPr lang="en-US" altLang="en-US"/>
           </a:p>
         </p:txBody>
       </p:sp>
@@ -6715,7 +6693,7 @@
               </a:lnSpc>
             </a:pPr>
             <a:r>
-              <a:rPr lang="en-US" altLang="en-US" sz="2800" smtClean="0"/>
+              <a:rPr lang="en-US" altLang="en-US" sz="2800"/>
               <a:t>Examples of threats:</a:t>
             </a:r>
           </a:p>
@@ -6726,7 +6704,7 @@
               </a:lnSpc>
             </a:pPr>
             <a:r>
-              <a:rPr lang="en-US" altLang="en-US" sz="2400" smtClean="0"/>
+              <a:rPr lang="en-US" altLang="en-US" sz="2400"/>
               <a:t>Snooping: unauthorized interception, is a kind of disclosure (eavesdrop on wireless). Countered by confidentiality or other information hiding methods.</a:t>
             </a:r>
           </a:p>
@@ -6737,7 +6715,7 @@
               </a:lnSpc>
             </a:pPr>
             <a:r>
-              <a:rPr lang="en-US" altLang="en-US" sz="2400" smtClean="0"/>
+              <a:rPr lang="en-US" altLang="en-US" sz="2400"/>
               <a:t>Modification: unauthorized change of data, may lead to deception, disruption, and usurpation. Countered by integrity.</a:t>
             </a:r>
           </a:p>
@@ -6748,7 +6726,7 @@
               </a:lnSpc>
             </a:pPr>
             <a:r>
-              <a:rPr lang="en-US" altLang="en-US" sz="2400" smtClean="0"/>
+              <a:rPr lang="en-US" altLang="en-US" sz="2400"/>
               <a:t>Spoofing: impersonation, may lead to deception and usurpation. Countered by integrity.</a:t>
             </a:r>
           </a:p>
@@ -6759,7 +6737,7 @@
               </a:lnSpc>
             </a:pPr>
             <a:r>
-              <a:rPr lang="en-US" altLang="en-US" sz="2000" smtClean="0"/>
+              <a:rPr lang="en-US" altLang="en-US" sz="2000"/>
               <a:t>Difference b/w impersonation and delegation</a:t>
             </a:r>
           </a:p>
@@ -6770,7 +6748,7 @@
               </a:lnSpc>
             </a:pPr>
             <a:r>
-              <a:rPr lang="en-US" altLang="en-US" sz="2400" smtClean="0"/>
+              <a:rPr lang="en-US" altLang="en-US" sz="2400"/>
               <a:t>Denial of receipt or origin: is a kind of deception</a:t>
             </a:r>
           </a:p>
@@ -6781,7 +6759,7 @@
               </a:lnSpc>
             </a:pPr>
             <a:r>
-              <a:rPr lang="en-US" altLang="en-US" sz="2000" smtClean="0"/>
+              <a:rPr lang="en-US" altLang="en-US" sz="2000"/>
               <a:t>Interesting questions: simultaneous contract signing</a:t>
             </a:r>
           </a:p>
@@ -6828,7 +6806,7 @@
           <a:lstStyle/>
           <a:p>
             <a:pPr eaLnBrk="1" hangingPunct="1"/>
-            <a:endParaRPr lang="en-US" altLang="en-US" smtClean="0"/>
+            <a:endParaRPr lang="en-US" altLang="en-US"/>
           </a:p>
         </p:txBody>
       </p:sp>
@@ -6853,7 +6831,7 @@
               </a:lnSpc>
             </a:pPr>
             <a:r>
-              <a:rPr lang="en-US" altLang="en-US" sz="2800" smtClean="0"/>
+              <a:rPr lang="en-US" altLang="en-US" sz="2800"/>
               <a:t>Policy and mechanism</a:t>
             </a:r>
           </a:p>
@@ -6864,7 +6842,7 @@
               </a:lnSpc>
             </a:pPr>
             <a:r>
-              <a:rPr lang="en-US" altLang="en-US" sz="2400" smtClean="0"/>
+              <a:rPr lang="en-US" altLang="en-US" sz="2400"/>
               <a:t>Policy is a statement of what is and what is not allowed.</a:t>
             </a:r>
           </a:p>
@@ -6875,7 +6853,7 @@
               </a:lnSpc>
             </a:pPr>
             <a:r>
-              <a:rPr lang="en-US" altLang="en-US" sz="2000" smtClean="0"/>
+              <a:rPr lang="en-US" altLang="en-US" sz="2000"/>
               <a:t>When two communicating parties have different policies, they may need to compromise (example b/w univ. and industry)</a:t>
             </a:r>
           </a:p>
@@ -6886,7 +6864,7 @@
               </a:lnSpc>
             </a:pPr>
             <a:r>
-              <a:rPr lang="en-US" altLang="en-US" sz="2400" smtClean="0"/>
+              <a:rPr lang="en-US" altLang="en-US" sz="2400"/>
               <a:t>Mechanism is a method to enforce a policy.</a:t>
             </a:r>
           </a:p>
@@ -6897,7 +6875,7 @@
               </a:lnSpc>
             </a:pPr>
             <a:r>
-              <a:rPr lang="en-US" altLang="en-US" sz="2000" smtClean="0"/>
+              <a:rPr lang="en-US" altLang="en-US" sz="2000"/>
               <a:t>May impact the system performance</a:t>
             </a:r>
           </a:p>
@@ -6908,7 +6886,7 @@
               </a:lnSpc>
             </a:pPr>
             <a:r>
-              <a:rPr lang="en-US" altLang="en-US" sz="2000" smtClean="0"/>
+              <a:rPr lang="en-US" altLang="en-US" sz="2000"/>
               <a:t>Prevention: to fail an attack</a:t>
             </a:r>
           </a:p>
@@ -6919,7 +6897,7 @@
               </a:lnSpc>
             </a:pPr>
             <a:r>
-              <a:rPr lang="en-US" altLang="en-US" sz="2000" smtClean="0"/>
+              <a:rPr lang="en-US" altLang="en-US" sz="2000"/>
               <a:t>Detection</a:t>
             </a:r>
           </a:p>
@@ -6930,7 +6908,7 @@
               </a:lnSpc>
             </a:pPr>
             <a:r>
-              <a:rPr lang="en-US" altLang="en-US" sz="2000" smtClean="0"/>
+              <a:rPr lang="en-US" altLang="en-US" sz="2000"/>
               <a:t>Recovery: fix not only data, but also vulnerabilities</a:t>
             </a:r>
           </a:p>
@@ -6941,7 +6919,7 @@
               </a:lnSpc>
             </a:pPr>
             <a:r>
-              <a:rPr lang="en-US" altLang="en-US" sz="2000" smtClean="0"/>
+              <a:rPr lang="en-US" altLang="en-US" sz="2000"/>
               <a:t>Tolerance</a:t>
             </a:r>
           </a:p>
@@ -6988,7 +6966,7 @@
           <a:lstStyle/>
           <a:p>
             <a:pPr eaLnBrk="1" hangingPunct="1"/>
-            <a:endParaRPr lang="en-US" altLang="en-US" smtClean="0"/>
+            <a:endParaRPr lang="en-US" altLang="en-US"/>
           </a:p>
         </p:txBody>
       </p:sp>
@@ -7009,49 +6987,49 @@
           <a:p>
             <a:pPr eaLnBrk="1" hangingPunct="1"/>
             <a:r>
-              <a:rPr lang="en-US" altLang="en-US" sz="2800" smtClean="0"/>
+              <a:rPr lang="en-US" altLang="en-US" sz="2800"/>
               <a:t>Assumptions:</a:t>
             </a:r>
           </a:p>
           <a:p>
             <a:pPr lvl="1" eaLnBrk="1" hangingPunct="1"/>
             <a:r>
-              <a:rPr lang="en-US" altLang="en-US" sz="2400" smtClean="0"/>
+              <a:rPr lang="en-US" altLang="en-US" sz="2400"/>
               <a:t>Security rests on assumptions of the required security and application environments</a:t>
             </a:r>
           </a:p>
           <a:p>
             <a:pPr lvl="1" eaLnBrk="1" hangingPunct="1"/>
             <a:r>
-              <a:rPr lang="en-US" altLang="en-US" sz="2400" smtClean="0"/>
+              <a:rPr lang="en-US" altLang="en-US" sz="2400"/>
               <a:t>Assumptions of a security policy</a:t>
             </a:r>
           </a:p>
           <a:p>
             <a:pPr lvl="2" eaLnBrk="1" hangingPunct="1"/>
             <a:r>
-              <a:rPr lang="en-US" altLang="en-US" sz="2000" smtClean="0"/>
+              <a:rPr lang="en-US" altLang="en-US" sz="2000"/>
               <a:t>A policy can correctly and unambiguously partitions system states into secure and insecure</a:t>
             </a:r>
           </a:p>
           <a:p>
             <a:pPr lvl="2" eaLnBrk="1" hangingPunct="1"/>
             <a:r>
-              <a:rPr lang="en-US" altLang="en-US" sz="2000" smtClean="0"/>
+              <a:rPr lang="en-US" altLang="en-US" sz="2000"/>
               <a:t>A security mechanism will prevent a system from entering a insecure state</a:t>
             </a:r>
           </a:p>
           <a:p>
             <a:pPr lvl="2" eaLnBrk="1" hangingPunct="1"/>
             <a:r>
-              <a:rPr lang="en-US" altLang="en-US" sz="2000" smtClean="0"/>
+              <a:rPr lang="en-US" altLang="en-US" sz="2000"/>
               <a:t>Define a security mechanism as secure, precise, or broad (the example of highway)</a:t>
             </a:r>
           </a:p>
           <a:p>
             <a:pPr lvl="2" eaLnBrk="1" hangingPunct="1"/>
             <a:r>
-              <a:rPr lang="en-US" altLang="en-US" sz="2000" smtClean="0"/>
+              <a:rPr lang="en-US" altLang="en-US" sz="2000"/>
               <a:t>In real life, security mechanisms are usually broad (Why?)</a:t>
             </a:r>
           </a:p>
